--- a/figures/fig3-hb.pptx
+++ b/figures/fig3-hb.pptx
@@ -3326,41 +3326,6 @@
           <a:chExt cx="0" cy="0"/>
         </a:xfrm>
       </p:grpSpPr>
-      <p:sp>
-        <p:nvSpPr>
-          <p:cNvPr id="8" name="TextBox 7">
-            <a:extLst>
-              <a:ext uri="{FF2B5EF4-FFF2-40B4-BE49-F238E27FC236}">
-                <a16:creationId xmlns:a16="http://schemas.microsoft.com/office/drawing/2014/main" id="{0C63D7CE-D9D9-13FF-1EAD-7BDDF254538F}"/>
-              </a:ext>
-            </a:extLst>
-          </p:cNvPr>
-          <p:cNvSpPr txBox="1"/>
-          <p:nvPr/>
-        </p:nvSpPr>
-        <p:spPr>
-          <a:xfrm rot="5400000">
-            <a:off x="11530361" y="6727195"/>
-            <a:ext cx="381836" cy="261610"/>
-          </a:xfrm>
-          <a:prstGeom prst="rect">
-            <a:avLst/>
-          </a:prstGeom>
-          <a:noFill/>
-        </p:spPr>
-        <p:txBody>
-          <a:bodyPr wrap="none" rtlCol="0">
-            <a:spAutoFit/>
-          </a:bodyPr>
-          <a:lstStyle/>
-          <a:p>
-            <a:r>
-              <a:rPr lang="en-US" sz="1050" dirty="0"/>
-              <a:t>P-A</a:t>
-            </a:r>
-          </a:p>
-        </p:txBody>
-      </p:sp>
       <p:pic>
         <p:nvPicPr>
           <p:cNvPr id="7" name="Picture 6">

--- a/figures/fig3-hb.pptx
+++ b/figures/fig3-hb.pptx
@@ -259,7 +259,7 @@
           <a:p>
             <a:fld id="{2DF53446-CEEA-9C47-AB9B-F33AF4CEF811}" type="datetimeFigureOut">
               <a:rPr lang="en-US" smtClean="0"/>
-              <a:t>6/2/23</a:t>
+              <a:t>6/13/23</a:t>
             </a:fld>
             <a:endParaRPr lang="en-US"/>
           </a:p>
@@ -457,7 +457,7 @@
           <a:p>
             <a:fld id="{2DF53446-CEEA-9C47-AB9B-F33AF4CEF811}" type="datetimeFigureOut">
               <a:rPr lang="en-US" smtClean="0"/>
-              <a:t>6/2/23</a:t>
+              <a:t>6/13/23</a:t>
             </a:fld>
             <a:endParaRPr lang="en-US"/>
           </a:p>
@@ -665,7 +665,7 @@
           <a:p>
             <a:fld id="{2DF53446-CEEA-9C47-AB9B-F33AF4CEF811}" type="datetimeFigureOut">
               <a:rPr lang="en-US" smtClean="0"/>
-              <a:t>6/2/23</a:t>
+              <a:t>6/13/23</a:t>
             </a:fld>
             <a:endParaRPr lang="en-US"/>
           </a:p>
@@ -863,7 +863,7 @@
           <a:p>
             <a:fld id="{2DF53446-CEEA-9C47-AB9B-F33AF4CEF811}" type="datetimeFigureOut">
               <a:rPr lang="en-US" smtClean="0"/>
-              <a:t>6/2/23</a:t>
+              <a:t>6/13/23</a:t>
             </a:fld>
             <a:endParaRPr lang="en-US"/>
           </a:p>
@@ -1138,7 +1138,7 @@
           <a:p>
             <a:fld id="{2DF53446-CEEA-9C47-AB9B-F33AF4CEF811}" type="datetimeFigureOut">
               <a:rPr lang="en-US" smtClean="0"/>
-              <a:t>6/2/23</a:t>
+              <a:t>6/13/23</a:t>
             </a:fld>
             <a:endParaRPr lang="en-US"/>
           </a:p>
@@ -1403,7 +1403,7 @@
           <a:p>
             <a:fld id="{2DF53446-CEEA-9C47-AB9B-F33AF4CEF811}" type="datetimeFigureOut">
               <a:rPr lang="en-US" smtClean="0"/>
-              <a:t>6/2/23</a:t>
+              <a:t>6/13/23</a:t>
             </a:fld>
             <a:endParaRPr lang="en-US"/>
           </a:p>
@@ -1815,7 +1815,7 @@
           <a:p>
             <a:fld id="{2DF53446-CEEA-9C47-AB9B-F33AF4CEF811}" type="datetimeFigureOut">
               <a:rPr lang="en-US" smtClean="0"/>
-              <a:t>6/2/23</a:t>
+              <a:t>6/13/23</a:t>
             </a:fld>
             <a:endParaRPr lang="en-US"/>
           </a:p>
@@ -1956,7 +1956,7 @@
           <a:p>
             <a:fld id="{2DF53446-CEEA-9C47-AB9B-F33AF4CEF811}" type="datetimeFigureOut">
               <a:rPr lang="en-US" smtClean="0"/>
-              <a:t>6/2/23</a:t>
+              <a:t>6/13/23</a:t>
             </a:fld>
             <a:endParaRPr lang="en-US"/>
           </a:p>
@@ -2069,7 +2069,7 @@
           <a:p>
             <a:fld id="{2DF53446-CEEA-9C47-AB9B-F33AF4CEF811}" type="datetimeFigureOut">
               <a:rPr lang="en-US" smtClean="0"/>
-              <a:t>6/2/23</a:t>
+              <a:t>6/13/23</a:t>
             </a:fld>
             <a:endParaRPr lang="en-US"/>
           </a:p>
@@ -2380,7 +2380,7 @@
           <a:p>
             <a:fld id="{2DF53446-CEEA-9C47-AB9B-F33AF4CEF811}" type="datetimeFigureOut">
               <a:rPr lang="en-US" smtClean="0"/>
-              <a:t>6/2/23</a:t>
+              <a:t>6/13/23</a:t>
             </a:fld>
             <a:endParaRPr lang="en-US"/>
           </a:p>
@@ -2668,7 +2668,7 @@
           <a:p>
             <a:fld id="{2DF53446-CEEA-9C47-AB9B-F33AF4CEF811}" type="datetimeFigureOut">
               <a:rPr lang="en-US" smtClean="0"/>
-              <a:t>6/2/23</a:t>
+              <a:t>6/13/23</a:t>
             </a:fld>
             <a:endParaRPr lang="en-US"/>
           </a:p>
@@ -2909,7 +2909,7 @@
           <a:p>
             <a:fld id="{2DF53446-CEEA-9C47-AB9B-F33AF4CEF811}" type="datetimeFigureOut">
               <a:rPr lang="en-US" smtClean="0"/>
-              <a:t>6/2/23</a:t>
+              <a:t>6/13/23</a:t>
             </a:fld>
             <a:endParaRPr lang="en-US"/>
           </a:p>
@@ -3328,10 +3328,10 @@
       </p:grpSpPr>
       <p:pic>
         <p:nvPicPr>
-          <p:cNvPr id="7" name="Picture 6">
-            <a:extLst>
-              <a:ext uri="{FF2B5EF4-FFF2-40B4-BE49-F238E27FC236}">
-                <a16:creationId xmlns:a16="http://schemas.microsoft.com/office/drawing/2014/main" id="{7510FC09-9EFD-67D7-FBFF-887D816B22DC}"/>
+          <p:cNvPr id="10" name="Picture 9">
+            <a:extLst>
+              <a:ext uri="{FF2B5EF4-FFF2-40B4-BE49-F238E27FC236}">
+                <a16:creationId xmlns:a16="http://schemas.microsoft.com/office/drawing/2014/main" id="{14245FB8-BCE8-0CC7-FFDD-6EE22001FC01}"/>
               </a:ext>
             </a:extLst>
           </p:cNvPr>
@@ -3342,6 +3342,93 @@
         </p:nvPicPr>
         <p:blipFill rotWithShape="1">
           <a:blip r:embed="rId2"/>
+          <a:srcRect t="14351"/>
+          <a:stretch/>
+        </p:blipFill>
+        <p:spPr>
+          <a:xfrm>
+            <a:off x="7329661" y="4118488"/>
+            <a:ext cx="4013363" cy="2499942"/>
+          </a:xfrm>
+          <a:prstGeom prst="rect">
+            <a:avLst/>
+          </a:prstGeom>
+        </p:spPr>
+      </p:pic>
+      <p:pic>
+        <p:nvPicPr>
+          <p:cNvPr id="3" name="Picture 2">
+            <a:extLst>
+              <a:ext uri="{FF2B5EF4-FFF2-40B4-BE49-F238E27FC236}">
+                <a16:creationId xmlns:a16="http://schemas.microsoft.com/office/drawing/2014/main" id="{6D269828-F62C-4B2E-6BD2-D318BABCFC53}"/>
+              </a:ext>
+            </a:extLst>
+          </p:cNvPr>
+          <p:cNvPicPr>
+            <a:picLocks noChangeAspect="1"/>
+          </p:cNvPicPr>
+          <p:nvPr/>
+        </p:nvPicPr>
+        <p:blipFill rotWithShape="1">
+          <a:blip r:embed="rId3"/>
+          <a:srcRect t="11586" b="15063"/>
+          <a:stretch/>
+        </p:blipFill>
+        <p:spPr>
+          <a:xfrm>
+            <a:off x="7329661" y="1981358"/>
+            <a:ext cx="4008318" cy="2138297"/>
+          </a:xfrm>
+          <a:prstGeom prst="rect">
+            <a:avLst/>
+          </a:prstGeom>
+        </p:spPr>
+      </p:pic>
+      <p:pic>
+        <p:nvPicPr>
+          <p:cNvPr id="8" name="Picture 7">
+            <a:extLst>
+              <a:ext uri="{FF2B5EF4-FFF2-40B4-BE49-F238E27FC236}">
+                <a16:creationId xmlns:a16="http://schemas.microsoft.com/office/drawing/2014/main" id="{72433613-4397-4B98-11BB-028E06D5AE42}"/>
+              </a:ext>
+            </a:extLst>
+          </p:cNvPr>
+          <p:cNvPicPr>
+            <a:picLocks noChangeAspect="1"/>
+          </p:cNvPicPr>
+          <p:nvPr/>
+        </p:nvPicPr>
+        <p:blipFill rotWithShape="1">
+          <a:blip r:embed="rId4"/>
+          <a:srcRect l="-215" t="12113" r="215" b="14560"/>
+          <a:stretch/>
+        </p:blipFill>
+        <p:spPr>
+          <a:xfrm>
+            <a:off x="7329661" y="-18662"/>
+            <a:ext cx="4008318" cy="2137629"/>
+          </a:xfrm>
+          <a:prstGeom prst="rect">
+            <a:avLst/>
+          </a:prstGeom>
+        </p:spPr>
+      </p:pic>
+      <p:pic>
+        <p:nvPicPr>
+          <p:cNvPr id="7" name="Picture 6">
+            <a:extLst>
+              <a:ext uri="{FF2B5EF4-FFF2-40B4-BE49-F238E27FC236}">
+                <a16:creationId xmlns:a16="http://schemas.microsoft.com/office/drawing/2014/main" id="{7510FC09-9EFD-67D7-FBFF-887D816B22DC}"/>
+              </a:ext>
+            </a:extLst>
+          </p:cNvPr>
+          <p:cNvPicPr>
+            <a:picLocks noChangeAspect="1"/>
+          </p:cNvPicPr>
+          <p:nvPr/>
+        </p:nvPicPr>
+        <p:blipFill rotWithShape="1">
+          <a:blip r:embed="rId5"/>
           <a:srcRect t="13702" r="5607" b="11961"/>
           <a:stretch/>
         </p:blipFill>
@@ -3355,114 +3442,6 @@
           </a:prstGeom>
         </p:spPr>
       </p:pic>
-      <p:grpSp>
-        <p:nvGrpSpPr>
-          <p:cNvPr id="22" name="Group 21">
-            <a:extLst>
-              <a:ext uri="{FF2B5EF4-FFF2-40B4-BE49-F238E27FC236}">
-                <a16:creationId xmlns:a16="http://schemas.microsoft.com/office/drawing/2014/main" id="{C867D3DF-FDAB-7E30-B7D8-ACDCF24760AA}"/>
-              </a:ext>
-            </a:extLst>
-          </p:cNvPr>
-          <p:cNvGrpSpPr/>
-          <p:nvPr/>
-        </p:nvGrpSpPr>
-        <p:grpSpPr>
-          <a:xfrm>
-            <a:off x="7329662" y="95459"/>
-            <a:ext cx="3830133" cy="6586882"/>
-            <a:chOff x="7257821" y="-2459843"/>
-            <a:chExt cx="4712368" cy="8104103"/>
-          </a:xfrm>
-        </p:grpSpPr>
-        <p:pic>
-          <p:nvPicPr>
-            <p:cNvPr id="12" name="Picture 11">
-              <a:extLst>
-                <a:ext uri="{FF2B5EF4-FFF2-40B4-BE49-F238E27FC236}">
-                  <a16:creationId xmlns:a16="http://schemas.microsoft.com/office/drawing/2014/main" id="{80A0FB40-595A-B864-925E-753F47346C7B}"/>
-                </a:ext>
-              </a:extLst>
-            </p:cNvPr>
-            <p:cNvPicPr>
-              <a:picLocks noChangeAspect="1"/>
-            </p:cNvPicPr>
-            <p:nvPr/>
-          </p:nvPicPr>
-          <p:blipFill rotWithShape="1">
-            <a:blip r:embed="rId3"/>
-            <a:srcRect t="15907" r="6300" b="12344"/>
-            <a:stretch/>
-          </p:blipFill>
-          <p:spPr>
-            <a:xfrm>
-              <a:off x="7257821" y="-2459843"/>
-              <a:ext cx="4712368" cy="2624263"/>
-            </a:xfrm>
-            <a:prstGeom prst="rect">
-              <a:avLst/>
-            </a:prstGeom>
-          </p:spPr>
-        </p:pic>
-        <p:pic>
-          <p:nvPicPr>
-            <p:cNvPr id="18" name="Picture 17">
-              <a:extLst>
-                <a:ext uri="{FF2B5EF4-FFF2-40B4-BE49-F238E27FC236}">
-                  <a16:creationId xmlns:a16="http://schemas.microsoft.com/office/drawing/2014/main" id="{1E48B923-6D84-5B73-4508-B04C3269A198}"/>
-                </a:ext>
-              </a:extLst>
-            </p:cNvPr>
-            <p:cNvPicPr>
-              <a:picLocks noChangeAspect="1"/>
-            </p:cNvPicPr>
-            <p:nvPr/>
-          </p:nvPicPr>
-          <p:blipFill rotWithShape="1">
-            <a:blip r:embed="rId4"/>
-            <a:srcRect t="19031" r="6300" b="12344"/>
-            <a:stretch/>
-          </p:blipFill>
-          <p:spPr>
-            <a:xfrm>
-              <a:off x="7257821" y="157148"/>
-              <a:ext cx="4712368" cy="2510011"/>
-            </a:xfrm>
-            <a:prstGeom prst="rect">
-              <a:avLst/>
-            </a:prstGeom>
-          </p:spPr>
-        </p:pic>
-        <p:pic>
-          <p:nvPicPr>
-            <p:cNvPr id="21" name="Picture 20">
-              <a:extLst>
-                <a:ext uri="{FF2B5EF4-FFF2-40B4-BE49-F238E27FC236}">
-                  <a16:creationId xmlns:a16="http://schemas.microsoft.com/office/drawing/2014/main" id="{35C34892-90C6-91DF-1615-19C5C5DBCDD6}"/>
-                </a:ext>
-              </a:extLst>
-            </p:cNvPr>
-            <p:cNvPicPr>
-              <a:picLocks noChangeAspect="1"/>
-            </p:cNvPicPr>
-            <p:nvPr/>
-          </p:nvPicPr>
-          <p:blipFill rotWithShape="1">
-            <a:blip r:embed="rId5"/>
-            <a:srcRect t="15907" r="6300"/>
-            <a:stretch/>
-          </p:blipFill>
-          <p:spPr>
-            <a:xfrm>
-              <a:off x="7257821" y="2568482"/>
-              <a:ext cx="4712368" cy="3075778"/>
-            </a:xfrm>
-            <a:prstGeom prst="rect">
-              <a:avLst/>
-            </a:prstGeom>
-          </p:spPr>
-        </p:pic>
-      </p:grpSp>
       <p:pic>
         <p:nvPicPr>
           <p:cNvPr id="28" name="Picture 27">
@@ -3607,35 +3586,6 @@
           </a:p>
         </p:txBody>
       </p:sp>
-      <p:pic>
-        <p:nvPicPr>
-          <p:cNvPr id="36" name="Picture 35">
-            <a:extLst>
-              <a:ext uri="{FF2B5EF4-FFF2-40B4-BE49-F238E27FC236}">
-                <a16:creationId xmlns:a16="http://schemas.microsoft.com/office/drawing/2014/main" id="{3FB4EA21-D3DA-3EFD-80D3-D6BF57D5C1D0}"/>
-              </a:ext>
-            </a:extLst>
-          </p:cNvPr>
-          <p:cNvPicPr>
-            <a:picLocks noChangeAspect="1"/>
-          </p:cNvPicPr>
-          <p:nvPr/>
-        </p:nvPicPr>
-        <p:blipFill rotWithShape="1">
-          <a:blip r:embed="rId8"/>
-          <a:srcRect t="88006" r="6300"/>
-          <a:stretch/>
-        </p:blipFill>
-        <p:spPr>
-          <a:xfrm>
-            <a:off x="7329661" y="6256421"/>
-            <a:ext cx="3830133" cy="356563"/>
-          </a:xfrm>
-          <a:prstGeom prst="rect">
-            <a:avLst/>
-          </a:prstGeom>
-        </p:spPr>
-      </p:pic>
     </p:spTree>
     <p:extLst>
       <p:ext uri="{BB962C8B-B14F-4D97-AF65-F5344CB8AC3E}">
